--- a/BUS RESERVATION SYSTEM.pptx
+++ b/BUS RESERVATION SYSTEM.pptx
@@ -217,7 +217,7 @@
           <a:p>
             <a:fld id="{08DD0294-DCE9-48E2-B5CD-860ED1CC09B4}" type="datetimeFigureOut">
               <a:rPr lang="en-US" smtClean="0"/>
-              <a:t>1/29/2024</a:t>
+              <a:t>1/30/2024</a:t>
             </a:fld>
             <a:endParaRPr lang="en-US"/>
           </a:p>
@@ -1230,7 +1230,7 @@
           <a:p>
             <a:fld id="{537F8CF9-4E78-4018-9224-42BD977FCDC4}" type="datetime1">
               <a:rPr lang="en-US" smtClean="0"/>
-              <a:t>1/29/2024</a:t>
+              <a:t>1/30/2024</a:t>
             </a:fld>
             <a:endParaRPr lang="en-US"/>
           </a:p>
@@ -1481,7 +1481,7 @@
           <a:p>
             <a:fld id="{3298EAAC-8B3E-4255-859A-657211AA2A33}" type="datetime1">
               <a:rPr lang="en-US" smtClean="0"/>
-              <a:t>1/29/2024</a:t>
+              <a:t>1/30/2024</a:t>
             </a:fld>
             <a:endParaRPr lang="en-US"/>
           </a:p>
@@ -1795,7 +1795,7 @@
           <a:p>
             <a:fld id="{C0B24314-2792-470B-8385-115EB8FCDE19}" type="datetime1">
               <a:rPr lang="en-US" smtClean="0"/>
-              <a:t>1/29/2024</a:t>
+              <a:t>1/30/2024</a:t>
             </a:fld>
             <a:endParaRPr lang="en-US"/>
           </a:p>
@@ -2128,7 +2128,7 @@
           <a:p>
             <a:fld id="{AFE7B397-66D3-4DFF-9EA3-AB36EDCFD2C3}" type="datetime1">
               <a:rPr lang="en-US" smtClean="0"/>
-              <a:t>1/29/2024</a:t>
+              <a:t>1/30/2024</a:t>
             </a:fld>
             <a:endParaRPr lang="en-US"/>
           </a:p>
@@ -2442,7 +2442,7 @@
           <a:p>
             <a:fld id="{5A9025C8-D2BC-41C7-BA12-3F0C444F0D57}" type="datetime1">
               <a:rPr lang="en-US" smtClean="0"/>
-              <a:t>1/29/2024</a:t>
+              <a:t>1/30/2024</a:t>
             </a:fld>
             <a:endParaRPr lang="en-US"/>
           </a:p>
@@ -2835,7 +2835,7 @@
           <a:p>
             <a:fld id="{82A4A567-E7AF-40C6-AC23-0ED39386D1FE}" type="datetime1">
               <a:rPr lang="en-US" smtClean="0"/>
-              <a:t>1/29/2024</a:t>
+              <a:t>1/30/2024</a:t>
             </a:fld>
             <a:endParaRPr lang="en-US"/>
           </a:p>
@@ -3005,7 +3005,7 @@
           <a:p>
             <a:fld id="{6FE92019-4CC2-4762-9A0C-9741874B5F51}" type="datetime1">
               <a:rPr lang="en-US" smtClean="0"/>
-              <a:t>1/29/2024</a:t>
+              <a:t>1/30/2024</a:t>
             </a:fld>
             <a:endParaRPr lang="en-US"/>
           </a:p>
@@ -3185,7 +3185,7 @@
           <a:p>
             <a:fld id="{88B603A5-8C6A-48F9-93E9-F20ACD390CCA}" type="datetime1">
               <a:rPr lang="en-US" smtClean="0"/>
-              <a:t>1/29/2024</a:t>
+              <a:t>1/30/2024</a:t>
             </a:fld>
             <a:endParaRPr lang="en-US"/>
           </a:p>
@@ -3355,7 +3355,7 @@
           <a:p>
             <a:fld id="{37294EC8-6C54-4721-BA6E-76AFEFD1B89B}" type="datetime1">
               <a:rPr lang="en-US" smtClean="0"/>
-              <a:t>1/29/2024</a:t>
+              <a:t>1/30/2024</a:t>
             </a:fld>
             <a:endParaRPr lang="en-US"/>
           </a:p>
@@ -3602,7 +3602,7 @@
           <a:p>
             <a:fld id="{8C4774CB-B7AA-4E8D-8DCB-3222CFCC98C5}" type="datetime1">
               <a:rPr lang="en-US" smtClean="0"/>
-              <a:t>1/29/2024</a:t>
+              <a:t>1/30/2024</a:t>
             </a:fld>
             <a:endParaRPr lang="en-US"/>
           </a:p>
@@ -3834,7 +3834,7 @@
           <a:p>
             <a:fld id="{ACDE2913-DF82-4AB7-AC7E-273BD1D22D1F}" type="datetime1">
               <a:rPr lang="en-US" smtClean="0"/>
-              <a:t>1/29/2024</a:t>
+              <a:t>1/30/2024</a:t>
             </a:fld>
             <a:endParaRPr lang="en-US"/>
           </a:p>
@@ -4208,7 +4208,7 @@
           <a:p>
             <a:fld id="{B886E688-3459-48E9-B076-30282FDDFD20}" type="datetime1">
               <a:rPr lang="en-US" smtClean="0"/>
-              <a:t>1/29/2024</a:t>
+              <a:t>1/30/2024</a:t>
             </a:fld>
             <a:endParaRPr lang="en-US"/>
           </a:p>
@@ -4331,7 +4331,7 @@
           <a:p>
             <a:fld id="{09B1B456-588D-45B3-9D02-C57F90F61731}" type="datetime1">
               <a:rPr lang="en-US" smtClean="0"/>
-              <a:t>1/29/2024</a:t>
+              <a:t>1/30/2024</a:t>
             </a:fld>
             <a:endParaRPr lang="en-US"/>
           </a:p>
@@ -4426,7 +4426,7 @@
           <a:p>
             <a:fld id="{DACC7F63-6B62-48E0-B726-622491EE4EC3}" type="datetime1">
               <a:rPr lang="en-US" smtClean="0"/>
-              <a:t>1/29/2024</a:t>
+              <a:t>1/30/2024</a:t>
             </a:fld>
             <a:endParaRPr lang="en-US"/>
           </a:p>
@@ -4681,7 +4681,7 @@
           <a:p>
             <a:fld id="{36143BF0-287B-45CD-9805-137FD4168B56}" type="datetime1">
               <a:rPr lang="en-US" smtClean="0"/>
-              <a:t>1/29/2024</a:t>
+              <a:t>1/30/2024</a:t>
             </a:fld>
             <a:endParaRPr lang="en-US"/>
           </a:p>
@@ -4986,7 +4986,7 @@
           <a:p>
             <a:fld id="{1E28204E-C279-424E-B7C2-3285516AD78E}" type="datetime1">
               <a:rPr lang="en-US" smtClean="0"/>
-              <a:t>1/29/2024</a:t>
+              <a:t>1/30/2024</a:t>
             </a:fld>
             <a:endParaRPr lang="en-US"/>
           </a:p>
@@ -5688,7 +5688,7 @@
           <a:p>
             <a:fld id="{301FEC76-7663-47CB-9A66-A6B4F91D23EF}" type="datetime1">
               <a:rPr lang="en-US" smtClean="0"/>
-              <a:t>1/29/2024</a:t>
+              <a:t>1/30/2024</a:t>
             </a:fld>
             <a:endParaRPr lang="en-US"/>
           </a:p>
@@ -10173,8 +10173,8 @@
           <a:lstStyle/>
           <a:p>
             <a:r>
-              <a:rPr lang="en-US" b="1" dirty="0" smtClean="0"/>
-              <a:t>MUDULES</a:t>
+              <a:rPr lang="en-US" b="1" smtClean="0"/>
+              <a:t>MODULES</a:t>
             </a:r>
             <a:endParaRPr lang="en-US" b="1" dirty="0"/>
           </a:p>
@@ -10320,8 +10320,8 @@
           <a:lstStyle/>
           <a:p>
             <a:r>
-              <a:rPr lang="en-US" b="1" dirty="0"/>
-              <a:t>MUDULES</a:t>
+              <a:rPr lang="en-US" b="1" dirty="0" smtClean="0"/>
+              <a:t>MODULES</a:t>
             </a:r>
             <a:endParaRPr lang="en-US" dirty="0"/>
           </a:p>
